--- a/DsDotNet/src/UnitTest/UnitTest.Engine/ImportPPT/T1_System.pptx
+++ b/DsDotNet/src/UnitTest/UnitTest.Engine/ImportPPT/T1_System.pptx
@@ -5,16 +5,13 @@
     <p:sldMasterId id="2147483648" r:id="rId1"/>
   </p:sldMasterIdLst>
   <p:notesMasterIdLst>
-    <p:notesMasterId r:id="rId6"/>
+    <p:notesMasterId r:id="rId3"/>
   </p:notesMasterIdLst>
   <p:handoutMasterIdLst>
-    <p:handoutMasterId r:id="rId7"/>
+    <p:handoutMasterId r:id="rId4"/>
   </p:handoutMasterIdLst>
   <p:sldIdLst>
     <p:sldId id="614" r:id="rId2"/>
-    <p:sldId id="618" r:id="rId3"/>
-    <p:sldId id="615" r:id="rId4"/>
-    <p:sldId id="616" r:id="rId5"/>
   </p:sldIdLst>
   <p:sldSz cx="12192000" cy="6858000"/>
   <p:notesSz cx="6797675" cy="9926638"/>
@@ -218,7 +215,7 @@
           <a:p>
             <a:fld id="{DD503887-5801-43A0-AEF9-041E8DDC2558}" type="datetimeFigureOut">
               <a:rPr lang="ko-KR" altLang="en-US" smtClean="0"/>
-              <a:t>2022-11-05</a:t>
+              <a:t>2022-12-06</a:t>
             </a:fld>
             <a:endParaRPr lang="ko-KR" altLang="en-US"/>
           </a:p>
@@ -395,7 +392,7 @@
           <a:p>
             <a:fld id="{95336A0E-57B1-4D4C-BD9B-2F72B5943464}" type="datetimeFigureOut">
               <a:rPr lang="ko-KR" altLang="en-US" smtClean="0"/>
-              <a:t>2022-11-05</a:t>
+              <a:t>2022-12-06</a:t>
             </a:fld>
             <a:endParaRPr lang="ko-KR" altLang="en-US"/>
           </a:p>
@@ -979,7 +976,7 @@
           <a:p>
             <a:fld id="{229D12C7-0FF5-4972-A033-474EFFC79F40}" type="datetime1">
               <a:rPr lang="ko-KR" altLang="en-US" smtClean="0"/>
-              <a:t>2022-11-05</a:t>
+              <a:t>2022-12-06</a:t>
             </a:fld>
             <a:endParaRPr lang="ko-KR" altLang="en-US"/>
           </a:p>
@@ -1177,7 +1174,7 @@
           <a:p>
             <a:fld id="{5BA19FD4-B052-4F56-8FD8-EAFD078DEFB0}" type="datetime1">
               <a:rPr lang="ko-KR" altLang="en-US" smtClean="0"/>
-              <a:t>2022-11-05</a:t>
+              <a:t>2022-12-06</a:t>
             </a:fld>
             <a:endParaRPr lang="ko-KR" altLang="en-US"/>
           </a:p>
@@ -1385,7 +1382,7 @@
           <a:p>
             <a:fld id="{024994B9-23A6-4B0A-A038-AC140E83DAA3}" type="datetime1">
               <a:rPr lang="ko-KR" altLang="en-US" smtClean="0"/>
-              <a:t>2022-11-05</a:t>
+              <a:t>2022-12-06</a:t>
             </a:fld>
             <a:endParaRPr lang="ko-KR" altLang="en-US"/>
           </a:p>
@@ -1583,7 +1580,7 @@
           <a:p>
             <a:fld id="{70D0DAB2-87CB-4028-B965-3AA710ADF2CB}" type="datetime1">
               <a:rPr lang="ko-KR" altLang="en-US" smtClean="0"/>
-              <a:t>2022-11-05</a:t>
+              <a:t>2022-12-06</a:t>
             </a:fld>
             <a:endParaRPr lang="ko-KR" altLang="en-US"/>
           </a:p>
@@ -1858,7 +1855,7 @@
           <a:p>
             <a:fld id="{63FA3D71-FEA8-477F-9D1E-EA860F411BC7}" type="datetime1">
               <a:rPr lang="ko-KR" altLang="en-US" smtClean="0"/>
-              <a:t>2022-11-05</a:t>
+              <a:t>2022-12-06</a:t>
             </a:fld>
             <a:endParaRPr lang="ko-KR" altLang="en-US"/>
           </a:p>
@@ -2123,7 +2120,7 @@
           <a:p>
             <a:fld id="{F58E3EF4-7980-4C97-BA64-EC66995BB574}" type="datetime1">
               <a:rPr lang="ko-KR" altLang="en-US" smtClean="0"/>
-              <a:t>2022-11-05</a:t>
+              <a:t>2022-12-06</a:t>
             </a:fld>
             <a:endParaRPr lang="ko-KR" altLang="en-US"/>
           </a:p>
@@ -2535,7 +2532,7 @@
           <a:p>
             <a:fld id="{FC9BC1D0-7D6B-4634-9D19-644040D74EAE}" type="datetime1">
               <a:rPr lang="ko-KR" altLang="en-US" smtClean="0"/>
-              <a:t>2022-11-05</a:t>
+              <a:t>2022-12-06</a:t>
             </a:fld>
             <a:endParaRPr lang="ko-KR" altLang="en-US"/>
           </a:p>
@@ -2677,7 +2674,7 @@
           <a:p>
             <a:fld id="{B5B1BBC2-B738-4C35-AEE5-660EB2DEB482}" type="datetime1">
               <a:rPr lang="ko-KR" altLang="en-US" smtClean="0"/>
-              <a:t>2022-11-05</a:t>
+              <a:t>2022-12-06</a:t>
             </a:fld>
             <a:endParaRPr lang="ko-KR" altLang="en-US"/>
           </a:p>
@@ -7259,7 +7256,7 @@
           <a:p>
             <a:fld id="{C60E9F93-7E77-4F36-B88C-A425F00C8D91}" type="datetime1">
               <a:rPr lang="ko-KR" altLang="en-US" smtClean="0"/>
-              <a:t>2022-11-05</a:t>
+              <a:t>2022-12-06</a:t>
             </a:fld>
             <a:endParaRPr lang="ko-KR" altLang="en-US"/>
           </a:p>
@@ -7570,7 +7567,7 @@
           <a:p>
             <a:fld id="{36BCCD0E-2A54-4016-BFFC-FEAABCDA6915}" type="datetime1">
               <a:rPr lang="ko-KR" altLang="en-US" smtClean="0"/>
-              <a:t>2022-11-05</a:t>
+              <a:t>2022-12-06</a:t>
             </a:fld>
             <a:endParaRPr lang="ko-KR" altLang="en-US"/>
           </a:p>
@@ -7858,7 +7855,7 @@
           <a:p>
             <a:fld id="{AAF69562-79F1-43EA-AE78-EAD8DB3AEC1A}" type="datetime1">
               <a:rPr lang="ko-KR" altLang="en-US" smtClean="0"/>
-              <a:t>2022-11-05</a:t>
+              <a:t>2022-12-06</a:t>
             </a:fld>
             <a:endParaRPr lang="ko-KR" altLang="en-US"/>
           </a:p>
@@ -8099,7 +8096,7 @@
           <a:p>
             <a:fld id="{C984B0C4-64BA-4E4C-B5E6-A51EE3F6ED95}" type="datetime1">
               <a:rPr lang="ko-KR" altLang="en-US" smtClean="0"/>
-              <a:t>2022-11-05</a:t>
+              <a:t>2022-12-06</a:t>
             </a:fld>
             <a:endParaRPr lang="ko-KR" altLang="en-US"/>
           </a:p>
@@ -8630,604 +8627,6 @@
     <p:extLst>
       <p:ext uri="{BB962C8B-B14F-4D97-AF65-F5344CB8AC3E}">
         <p14:creationId xmlns:p14="http://schemas.microsoft.com/office/powerpoint/2010/main" val="4084927639"/>
-      </p:ext>
-    </p:extLst>
-  </p:cSld>
-  <p:clrMapOvr>
-    <a:masterClrMapping/>
-  </p:clrMapOvr>
-</p:sld>
-</file>
-
-<file path=ppt/slides/slide2.xml><?xml version="1.0" encoding="utf-8"?>
-<p:sld xmlns:a="http://schemas.openxmlformats.org/drawingml/2006/main" xmlns:r="http://schemas.openxmlformats.org/officeDocument/2006/relationships" xmlns:p="http://schemas.openxmlformats.org/presentationml/2006/main">
-  <p:cSld>
-    <p:spTree>
-      <p:nvGrpSpPr>
-        <p:cNvPr id="1" name=""/>
-        <p:cNvGrpSpPr/>
-        <p:nvPr/>
-      </p:nvGrpSpPr>
-      <p:grpSpPr>
-        <a:xfrm>
-          <a:off x="0" y="0"/>
-          <a:ext cx="0" cy="0"/>
-          <a:chOff x="0" y="0"/>
-          <a:chExt cx="0" cy="0"/>
-        </a:xfrm>
-      </p:grpSpPr>
-      <p:sp>
-        <p:nvSpPr>
-          <p:cNvPr id="2" name="제목 1">
-            <a:extLst>
-              <a:ext uri="{FF2B5EF4-FFF2-40B4-BE49-F238E27FC236}">
-                <a16:creationId xmlns:a16="http://schemas.microsoft.com/office/drawing/2014/main" id="{14092D3D-3CED-BC66-6FEE-9A9E10271A9B}"/>
-              </a:ext>
-            </a:extLst>
-          </p:cNvPr>
-          <p:cNvSpPr>
-            <a:spLocks noGrp="1"/>
-          </p:cNvSpPr>
-          <p:nvPr>
-            <p:ph type="title"/>
-          </p:nvPr>
-        </p:nvSpPr>
-        <p:spPr/>
-        <p:txBody>
-          <a:bodyPr/>
-          <a:lstStyle/>
-          <a:p>
-            <a:r>
-              <a:rPr lang="en-US" altLang="ko-KR" dirty="0"/>
-              <a:t>$SystemA</a:t>
-            </a:r>
-            <a:endParaRPr lang="ko-KR" altLang="en-US" dirty="0"/>
-          </a:p>
-        </p:txBody>
-      </p:sp>
-      <p:sp>
-        <p:nvSpPr>
-          <p:cNvPr id="3" name="내용 개체 틀 2">
-            <a:extLst>
-              <a:ext uri="{FF2B5EF4-FFF2-40B4-BE49-F238E27FC236}">
-                <a16:creationId xmlns:a16="http://schemas.microsoft.com/office/drawing/2014/main" id="{F4235E27-C219-B67F-F335-7863D53F3E7F}"/>
-              </a:ext>
-            </a:extLst>
-          </p:cNvPr>
-          <p:cNvSpPr>
-            <a:spLocks noGrp="1"/>
-          </p:cNvSpPr>
-          <p:nvPr>
-            <p:ph idx="1"/>
-          </p:nvPr>
-        </p:nvSpPr>
-        <p:spPr/>
-        <p:txBody>
-          <a:bodyPr/>
-          <a:lstStyle/>
-          <a:p>
-            <a:pPr marL="0" indent="0">
-              <a:buNone/>
-            </a:pPr>
-            <a:r>
-              <a:rPr lang="ko-KR" altLang="en-US" dirty="0"/>
-              <a:t>페이지 제목에 </a:t>
-            </a:r>
-            <a:r>
-              <a:rPr lang="en-US" altLang="ko-KR" dirty="0"/>
-              <a:t>$</a:t>
-            </a:r>
-            <a:r>
-              <a:rPr lang="ko-KR" altLang="en-US" dirty="0"/>
-              <a:t>로 시작하면 시스템 내부에 시스템을 구성합니다</a:t>
-            </a:r>
-            <a:r>
-              <a:rPr lang="en-US" altLang="ko-KR" dirty="0"/>
-              <a:t>.</a:t>
-            </a:r>
-          </a:p>
-          <a:p>
-            <a:pPr marL="0" indent="0">
-              <a:buNone/>
-            </a:pPr>
-            <a:r>
-              <a:rPr lang="ko-KR" altLang="en-US" dirty="0"/>
-              <a:t>내부 시스템의 </a:t>
-            </a:r>
-            <a:r>
-              <a:rPr lang="en-US" altLang="ko-KR" dirty="0"/>
-              <a:t>Flow </a:t>
-            </a:r>
-            <a:r>
-              <a:rPr lang="ko-KR" altLang="en-US" dirty="0"/>
-              <a:t>이름은 미지정시에 </a:t>
-            </a:r>
-            <a:r>
-              <a:rPr lang="en-US" altLang="ko-KR" dirty="0"/>
-              <a:t>“_”</a:t>
-            </a:r>
-            <a:r>
-              <a:rPr lang="ko-KR" altLang="en-US" dirty="0"/>
-              <a:t>로 지정됩니다</a:t>
-            </a:r>
-            <a:r>
-              <a:rPr lang="en-US" altLang="ko-KR" dirty="0"/>
-              <a:t>.</a:t>
-            </a:r>
-            <a:endParaRPr lang="ko-KR" altLang="en-US" dirty="0"/>
-          </a:p>
-        </p:txBody>
-      </p:sp>
-      <p:sp>
-        <p:nvSpPr>
-          <p:cNvPr id="4" name="TextBox 3">
-            <a:extLst>
-              <a:ext uri="{FF2B5EF4-FFF2-40B4-BE49-F238E27FC236}">
-                <a16:creationId xmlns:a16="http://schemas.microsoft.com/office/drawing/2014/main" id="{21AD3C9D-1E4D-4263-2787-2523D545D7F3}"/>
-              </a:ext>
-            </a:extLst>
-          </p:cNvPr>
-          <p:cNvSpPr txBox="1"/>
-          <p:nvPr/>
-        </p:nvSpPr>
-        <p:spPr>
-          <a:xfrm>
-            <a:off x="3619500" y="3543300"/>
-            <a:ext cx="4981575" cy="1754326"/>
-          </a:xfrm>
-          <a:prstGeom prst="rect">
-            <a:avLst/>
-          </a:prstGeom>
-          <a:noFill/>
-        </p:spPr>
-        <p:txBody>
-          <a:bodyPr wrap="square" rtlCol="0">
-            <a:spAutoFit/>
-          </a:bodyPr>
-          <a:lstStyle/>
-          <a:p>
-            <a:r>
-              <a:rPr lang="en-US" altLang="ko-KR" dirty="0"/>
-              <a:t>[sys] “1.System”  = {</a:t>
-            </a:r>
-          </a:p>
-          <a:p>
-            <a:endParaRPr lang="en-US" altLang="ko-KR" dirty="0"/>
-          </a:p>
-          <a:p>
-            <a:r>
-              <a:rPr lang="en-US" altLang="ko-KR" dirty="0"/>
-              <a:t>	[sys] SystemA = {</a:t>
-            </a:r>
-          </a:p>
-          <a:p>
-            <a:r>
-              <a:rPr lang="en-US" altLang="ko-KR" dirty="0"/>
-              <a:t>		[flow] _ = {}</a:t>
-            </a:r>
-          </a:p>
-          <a:p>
-            <a:pPr lvl="2"/>
-            <a:r>
-              <a:rPr lang="en-US" altLang="ko-KR" dirty="0"/>
-              <a:t>}</a:t>
-            </a:r>
-          </a:p>
-          <a:p>
-            <a:r>
-              <a:rPr lang="en-US" altLang="ko-KR" dirty="0"/>
-              <a:t>}</a:t>
-            </a:r>
-            <a:endParaRPr lang="ko-KR" altLang="en-US" dirty="0"/>
-          </a:p>
-        </p:txBody>
-      </p:sp>
-    </p:spTree>
-    <p:extLst>
-      <p:ext uri="{BB962C8B-B14F-4D97-AF65-F5344CB8AC3E}">
-        <p14:creationId xmlns:p14="http://schemas.microsoft.com/office/powerpoint/2010/main" val="4234076582"/>
-      </p:ext>
-    </p:extLst>
-  </p:cSld>
-  <p:clrMapOvr>
-    <a:masterClrMapping/>
-  </p:clrMapOvr>
-</p:sld>
-</file>
-
-<file path=ppt/slides/slide3.xml><?xml version="1.0" encoding="utf-8"?>
-<p:sld xmlns:a="http://schemas.openxmlformats.org/drawingml/2006/main" xmlns:r="http://schemas.openxmlformats.org/officeDocument/2006/relationships" xmlns:p="http://schemas.openxmlformats.org/presentationml/2006/main">
-  <p:cSld>
-    <p:spTree>
-      <p:nvGrpSpPr>
-        <p:cNvPr id="1" name=""/>
-        <p:cNvGrpSpPr/>
-        <p:nvPr/>
-      </p:nvGrpSpPr>
-      <p:grpSpPr>
-        <a:xfrm>
-          <a:off x="0" y="0"/>
-          <a:ext cx="0" cy="0"/>
-          <a:chOff x="0" y="0"/>
-          <a:chExt cx="0" cy="0"/>
-        </a:xfrm>
-      </p:grpSpPr>
-      <p:sp>
-        <p:nvSpPr>
-          <p:cNvPr id="2" name="제목 1">
-            <a:extLst>
-              <a:ext uri="{FF2B5EF4-FFF2-40B4-BE49-F238E27FC236}">
-                <a16:creationId xmlns:a16="http://schemas.microsoft.com/office/drawing/2014/main" id="{14092D3D-3CED-BC66-6FEE-9A9E10271A9B}"/>
-              </a:ext>
-            </a:extLst>
-          </p:cNvPr>
-          <p:cNvSpPr>
-            <a:spLocks noGrp="1"/>
-          </p:cNvSpPr>
-          <p:nvPr>
-            <p:ph type="title"/>
-          </p:nvPr>
-        </p:nvSpPr>
-        <p:spPr/>
-        <p:txBody>
-          <a:bodyPr/>
-          <a:lstStyle/>
-          <a:p>
-            <a:r>
-              <a:rPr lang="en-US" altLang="ko-KR" dirty="0"/>
-              <a:t>$SystemA.Flow1</a:t>
-            </a:r>
-            <a:endParaRPr lang="ko-KR" altLang="en-US" dirty="0"/>
-          </a:p>
-        </p:txBody>
-      </p:sp>
-      <p:sp>
-        <p:nvSpPr>
-          <p:cNvPr id="3" name="내용 개체 틀 2">
-            <a:extLst>
-              <a:ext uri="{FF2B5EF4-FFF2-40B4-BE49-F238E27FC236}">
-                <a16:creationId xmlns:a16="http://schemas.microsoft.com/office/drawing/2014/main" id="{F4235E27-C219-B67F-F335-7863D53F3E7F}"/>
-              </a:ext>
-            </a:extLst>
-          </p:cNvPr>
-          <p:cNvSpPr>
-            <a:spLocks noGrp="1"/>
-          </p:cNvSpPr>
-          <p:nvPr>
-            <p:ph idx="1"/>
-          </p:nvPr>
-        </p:nvSpPr>
-        <p:spPr/>
-        <p:txBody>
-          <a:bodyPr/>
-          <a:lstStyle/>
-          <a:p>
-            <a:pPr marL="0" indent="0">
-              <a:buNone/>
-            </a:pPr>
-            <a:r>
-              <a:rPr lang="en-US" altLang="ko-KR" dirty="0"/>
-              <a:t>$</a:t>
-            </a:r>
-            <a:r>
-              <a:rPr lang="en-US" altLang="ko-KR" dirty="0" err="1"/>
-              <a:t>System.Flow</a:t>
-            </a:r>
-            <a:r>
-              <a:rPr lang="en-US" altLang="ko-KR" dirty="0"/>
-              <a:t>   </a:t>
-            </a:r>
-            <a:r>
-              <a:rPr lang="ko-KR" altLang="en-US" dirty="0"/>
-              <a:t>내부시스템 </a:t>
-            </a:r>
-            <a:r>
-              <a:rPr lang="en-US" altLang="ko-KR" dirty="0"/>
-              <a:t>Flow</a:t>
-            </a:r>
-            <a:r>
-              <a:rPr lang="ko-KR" altLang="en-US" dirty="0"/>
-              <a:t>정의는 </a:t>
-            </a:r>
-            <a:r>
-              <a:rPr lang="en-US" altLang="ko-KR" dirty="0"/>
-              <a:t>“ . “ </a:t>
-            </a:r>
-            <a:r>
-              <a:rPr lang="ko-KR" altLang="en-US" dirty="0"/>
-              <a:t>로 구분합니다</a:t>
-            </a:r>
-            <a:r>
-              <a:rPr lang="en-US" altLang="ko-KR" dirty="0"/>
-              <a:t>.</a:t>
-            </a:r>
-            <a:endParaRPr lang="ko-KR" altLang="en-US" dirty="0"/>
-          </a:p>
-        </p:txBody>
-      </p:sp>
-      <p:sp>
-        <p:nvSpPr>
-          <p:cNvPr id="4" name="TextBox 3">
-            <a:extLst>
-              <a:ext uri="{FF2B5EF4-FFF2-40B4-BE49-F238E27FC236}">
-                <a16:creationId xmlns:a16="http://schemas.microsoft.com/office/drawing/2014/main" id="{6D77AB35-26C7-8282-1A8A-DBB62366945E}"/>
-              </a:ext>
-            </a:extLst>
-          </p:cNvPr>
-          <p:cNvSpPr txBox="1"/>
-          <p:nvPr/>
-        </p:nvSpPr>
-        <p:spPr>
-          <a:xfrm>
-            <a:off x="3619500" y="3543300"/>
-            <a:ext cx="4981575" cy="2585323"/>
-          </a:xfrm>
-          <a:prstGeom prst="rect">
-            <a:avLst/>
-          </a:prstGeom>
-          <a:noFill/>
-        </p:spPr>
-        <p:txBody>
-          <a:bodyPr wrap="square" rtlCol="0">
-            <a:spAutoFit/>
-          </a:bodyPr>
-          <a:lstStyle/>
-          <a:p>
-            <a:r>
-              <a:rPr lang="en-US" altLang="ko-KR" dirty="0"/>
-              <a:t>[sys] “1.System”  = {</a:t>
-            </a:r>
-          </a:p>
-          <a:p>
-            <a:endParaRPr lang="en-US" altLang="ko-KR" dirty="0"/>
-          </a:p>
-          <a:p>
-            <a:r>
-              <a:rPr lang="en-US" altLang="ko-KR" dirty="0"/>
-              <a:t>	[sys] SystemA = {</a:t>
-            </a:r>
-          </a:p>
-          <a:p>
-            <a:endParaRPr lang="en-US" altLang="ko-KR" dirty="0"/>
-          </a:p>
-          <a:p>
-            <a:r>
-              <a:rPr lang="en-US" altLang="ko-KR" dirty="0"/>
-              <a:t>		[flow] _ = {}</a:t>
-            </a:r>
-          </a:p>
-          <a:p>
-            <a:r>
-              <a:rPr lang="en-US" altLang="ko-KR" dirty="0"/>
-              <a:t>		[flow] flow1 = {}</a:t>
-            </a:r>
-          </a:p>
-          <a:p>
-            <a:endParaRPr lang="en-US" altLang="ko-KR" dirty="0"/>
-          </a:p>
-          <a:p>
-            <a:r>
-              <a:rPr lang="en-US" altLang="ko-KR" dirty="0"/>
-              <a:t>		}</a:t>
-            </a:r>
-          </a:p>
-          <a:p>
-            <a:r>
-              <a:rPr lang="en-US" altLang="ko-KR" dirty="0"/>
-              <a:t>}</a:t>
-            </a:r>
-            <a:endParaRPr lang="ko-KR" altLang="en-US" dirty="0"/>
-          </a:p>
-        </p:txBody>
-      </p:sp>
-    </p:spTree>
-    <p:extLst>
-      <p:ext uri="{BB962C8B-B14F-4D97-AF65-F5344CB8AC3E}">
-        <p14:creationId xmlns:p14="http://schemas.microsoft.com/office/powerpoint/2010/main" val="1330390828"/>
-      </p:ext>
-    </p:extLst>
-  </p:cSld>
-  <p:clrMapOvr>
-    <a:masterClrMapping/>
-  </p:clrMapOvr>
-</p:sld>
-</file>
-
-<file path=ppt/slides/slide4.xml><?xml version="1.0" encoding="utf-8"?>
-<p:sld xmlns:a="http://schemas.openxmlformats.org/drawingml/2006/main" xmlns:r="http://schemas.openxmlformats.org/officeDocument/2006/relationships" xmlns:p="http://schemas.openxmlformats.org/presentationml/2006/main">
-  <p:cSld>
-    <p:spTree>
-      <p:nvGrpSpPr>
-        <p:cNvPr id="1" name=""/>
-        <p:cNvGrpSpPr/>
-        <p:nvPr/>
-      </p:nvGrpSpPr>
-      <p:grpSpPr>
-        <a:xfrm>
-          <a:off x="0" y="0"/>
-          <a:ext cx="0" cy="0"/>
-          <a:chOff x="0" y="0"/>
-          <a:chExt cx="0" cy="0"/>
-        </a:xfrm>
-      </p:grpSpPr>
-      <p:sp>
-        <p:nvSpPr>
-          <p:cNvPr id="2" name="제목 1">
-            <a:extLst>
-              <a:ext uri="{FF2B5EF4-FFF2-40B4-BE49-F238E27FC236}">
-                <a16:creationId xmlns:a16="http://schemas.microsoft.com/office/drawing/2014/main" id="{14092D3D-3CED-BC66-6FEE-9A9E10271A9B}"/>
-              </a:ext>
-            </a:extLst>
-          </p:cNvPr>
-          <p:cNvSpPr>
-            <a:spLocks noGrp="1"/>
-          </p:cNvSpPr>
-          <p:nvPr>
-            <p:ph type="title"/>
-          </p:nvPr>
-        </p:nvSpPr>
-        <p:spPr/>
-        <p:txBody>
-          <a:bodyPr/>
-          <a:lstStyle/>
-          <a:p>
-            <a:r>
-              <a:rPr lang="en-US" altLang="ko-KR" dirty="0"/>
-              <a:t>$SystemA.Flow2</a:t>
-            </a:r>
-            <a:endParaRPr lang="ko-KR" altLang="en-US" dirty="0"/>
-          </a:p>
-        </p:txBody>
-      </p:sp>
-      <p:sp>
-        <p:nvSpPr>
-          <p:cNvPr id="3" name="내용 개체 틀 2">
-            <a:extLst>
-              <a:ext uri="{FF2B5EF4-FFF2-40B4-BE49-F238E27FC236}">
-                <a16:creationId xmlns:a16="http://schemas.microsoft.com/office/drawing/2014/main" id="{F4235E27-C219-B67F-F335-7863D53F3E7F}"/>
-              </a:ext>
-            </a:extLst>
-          </p:cNvPr>
-          <p:cNvSpPr>
-            <a:spLocks noGrp="1"/>
-          </p:cNvSpPr>
-          <p:nvPr>
-            <p:ph idx="1"/>
-          </p:nvPr>
-        </p:nvSpPr>
-        <p:spPr/>
-        <p:txBody>
-          <a:bodyPr/>
-          <a:lstStyle/>
-          <a:p>
-            <a:pPr marL="0" indent="0">
-              <a:buNone/>
-            </a:pPr>
-            <a:r>
-              <a:rPr lang="en-US" altLang="ko-KR" dirty="0"/>
-              <a:t>$</a:t>
-            </a:r>
-            <a:r>
-              <a:rPr lang="en-US" altLang="ko-KR" dirty="0" err="1"/>
-              <a:t>System.FlowXX</a:t>
-            </a:r>
-            <a:r>
-              <a:rPr lang="en-US" altLang="ko-KR" dirty="0"/>
-              <a:t> </a:t>
-            </a:r>
-            <a:r>
-              <a:rPr lang="ko-KR" altLang="en-US" dirty="0"/>
-              <a:t>여러 개의 내부 시스템 </a:t>
-            </a:r>
-            <a:r>
-              <a:rPr lang="en-US" altLang="ko-KR" dirty="0"/>
-              <a:t>Flow </a:t>
-            </a:r>
-            <a:r>
-              <a:rPr lang="ko-KR" altLang="en-US" dirty="0"/>
-              <a:t>들을</a:t>
-            </a:r>
-            <a:r>
-              <a:rPr lang="en-US" altLang="ko-KR" dirty="0"/>
-              <a:t> </a:t>
-            </a:r>
-            <a:r>
-              <a:rPr lang="ko-KR" altLang="en-US" dirty="0"/>
-              <a:t>생성 합니다</a:t>
-            </a:r>
-            <a:r>
-              <a:rPr lang="en-US" altLang="ko-KR" dirty="0"/>
-              <a:t>.</a:t>
-            </a:r>
-            <a:endParaRPr lang="ko-KR" altLang="en-US" dirty="0"/>
-          </a:p>
-        </p:txBody>
-      </p:sp>
-      <p:sp>
-        <p:nvSpPr>
-          <p:cNvPr id="4" name="TextBox 3">
-            <a:extLst>
-              <a:ext uri="{FF2B5EF4-FFF2-40B4-BE49-F238E27FC236}">
-                <a16:creationId xmlns:a16="http://schemas.microsoft.com/office/drawing/2014/main" id="{8DED7F0E-F18B-381A-8BA8-3F36D97AC210}"/>
-              </a:ext>
-            </a:extLst>
-          </p:cNvPr>
-          <p:cNvSpPr txBox="1"/>
-          <p:nvPr/>
-        </p:nvSpPr>
-        <p:spPr>
-          <a:xfrm>
-            <a:off x="3619500" y="3543300"/>
-            <a:ext cx="4981575" cy="2862322"/>
-          </a:xfrm>
-          <a:prstGeom prst="rect">
-            <a:avLst/>
-          </a:prstGeom>
-          <a:noFill/>
-        </p:spPr>
-        <p:txBody>
-          <a:bodyPr wrap="square" rtlCol="0">
-            <a:spAutoFit/>
-          </a:bodyPr>
-          <a:lstStyle/>
-          <a:p>
-            <a:r>
-              <a:rPr lang="en-US" altLang="ko-KR" dirty="0"/>
-              <a:t>[sys] “1.System”  = {</a:t>
-            </a:r>
-          </a:p>
-          <a:p>
-            <a:endParaRPr lang="en-US" altLang="ko-KR" dirty="0"/>
-          </a:p>
-          <a:p>
-            <a:r>
-              <a:rPr lang="en-US" altLang="ko-KR" dirty="0"/>
-              <a:t>	[sys] SystemA = {</a:t>
-            </a:r>
-          </a:p>
-          <a:p>
-            <a:endParaRPr lang="en-US" altLang="ko-KR" dirty="0"/>
-          </a:p>
-          <a:p>
-            <a:r>
-              <a:rPr lang="en-US" altLang="ko-KR" dirty="0"/>
-              <a:t>		[flow] _ = {}</a:t>
-            </a:r>
-          </a:p>
-          <a:p>
-            <a:r>
-              <a:rPr lang="en-US" altLang="ko-KR" dirty="0"/>
-              <a:t>		[flow] flow1 = {}</a:t>
-            </a:r>
-          </a:p>
-          <a:p>
-            <a:r>
-              <a:rPr lang="en-US" altLang="ko-KR" dirty="0"/>
-              <a:t>		[flow] flow2 = {}</a:t>
-            </a:r>
-          </a:p>
-          <a:p>
-            <a:endParaRPr lang="en-US" altLang="ko-KR" dirty="0"/>
-          </a:p>
-          <a:p>
-            <a:r>
-              <a:rPr lang="en-US" altLang="ko-KR" dirty="0"/>
-              <a:t>		}</a:t>
-            </a:r>
-          </a:p>
-          <a:p>
-            <a:r>
-              <a:rPr lang="en-US" altLang="ko-KR" dirty="0"/>
-              <a:t>}</a:t>
-            </a:r>
-            <a:endParaRPr lang="ko-KR" altLang="en-US" dirty="0"/>
-          </a:p>
-        </p:txBody>
-      </p:sp>
-    </p:spTree>
-    <p:extLst>
-      <p:ext uri="{BB962C8B-B14F-4D97-AF65-F5344CB8AC3E}">
-        <p14:creationId xmlns:p14="http://schemas.microsoft.com/office/powerpoint/2010/main" val="1261640418"/>
       </p:ext>
     </p:extLst>
   </p:cSld>
